--- a/Presentation.pptx
+++ b/Presentation.pptx
@@ -206,7 +206,7 @@
           <a:p>
             <a:fld id="{E7F0F1B6-C071-B34D-8077-BAF0A4B2B4F2}" type="datetimeFigureOut">
               <a:rPr lang="en-US" smtClean="0"/>
-              <a:t>2/14/2018</a:t>
+              <a:t>2/19/18</a:t>
             </a:fld>
             <a:endParaRPr lang="en-US"/>
           </a:p>
@@ -1231,7 +1231,7 @@
             <a:fld id="{87DE6118-2437-4B30-8E3C-4D2BE6020583}" type="datetimeFigureOut">
               <a:rPr lang="en-US" smtClean="0"/>
               <a:pPr/>
-              <a:t>2/14/2018</a:t>
+              <a:t>2/19/18</a:t>
             </a:fld>
             <a:endParaRPr lang="en-US" dirty="0"/>
           </a:p>
@@ -1567,7 +1567,7 @@
             <a:fld id="{87DE6118-2437-4B30-8E3C-4D2BE6020583}" type="datetimeFigureOut">
               <a:rPr lang="en-US" smtClean="0"/>
               <a:pPr/>
-              <a:t>2/14/2018</a:t>
+              <a:t>2/19/18</a:t>
             </a:fld>
             <a:endParaRPr lang="en-US" dirty="0"/>
           </a:p>
@@ -1842,7 +1842,7 @@
             <a:fld id="{87DE6118-2437-4B30-8E3C-4D2BE6020583}" type="datetimeFigureOut">
               <a:rPr lang="en-US" smtClean="0"/>
               <a:pPr/>
-              <a:t>2/14/2018</a:t>
+              <a:t>2/19/18</a:t>
             </a:fld>
             <a:endParaRPr lang="en-US" dirty="0"/>
           </a:p>
@@ -2407,7 +2407,7 @@
             <a:fld id="{87DE6118-2437-4B30-8E3C-4D2BE6020583}" type="datetimeFigureOut">
               <a:rPr lang="en-US" smtClean="0"/>
               <a:pPr/>
-              <a:t>2/14/2018</a:t>
+              <a:t>2/19/18</a:t>
             </a:fld>
             <a:endParaRPr lang="en-US" dirty="0"/>
           </a:p>
@@ -2682,7 +2682,7 @@
             <a:fld id="{87DE6118-2437-4B30-8E3C-4D2BE6020583}" type="datetimeFigureOut">
               <a:rPr lang="en-US" smtClean="0"/>
               <a:pPr/>
-              <a:t>2/14/2018</a:t>
+              <a:t>2/19/18</a:t>
             </a:fld>
             <a:endParaRPr lang="en-US" dirty="0"/>
           </a:p>
@@ -3241,7 +3241,7 @@
             <a:fld id="{87DE6118-2437-4B30-8E3C-4D2BE6020583}" type="datetimeFigureOut">
               <a:rPr lang="en-US" smtClean="0"/>
               <a:pPr/>
-              <a:t>2/14/2018</a:t>
+              <a:t>2/19/18</a:t>
             </a:fld>
             <a:endParaRPr lang="en-US" dirty="0"/>
           </a:p>
@@ -3565,7 +3565,7 @@
             <a:fld id="{87DE6118-2437-4B30-8E3C-4D2BE6020583}" type="datetimeFigureOut">
               <a:rPr lang="en-US" smtClean="0"/>
               <a:pPr/>
-              <a:t>2/14/2018</a:t>
+              <a:t>2/19/18</a:t>
             </a:fld>
             <a:endParaRPr lang="en-US" dirty="0"/>
           </a:p>
@@ -3738,7 +3738,7 @@
           <a:p>
             <a:fld id="{87DE6118-2437-4B30-8E3C-4D2BE6020583}" type="datetimeFigureOut">
               <a:rPr lang="en-US" smtClean="0"/>
-              <a:t>2/14/2018</a:t>
+              <a:t>2/19/18</a:t>
             </a:fld>
             <a:endParaRPr lang="en-US" dirty="0"/>
           </a:p>
@@ -3971,7 +3971,7 @@
           <a:p>
             <a:fld id="{87DE6118-2437-4B30-8E3C-4D2BE6020583}" type="datetimeFigureOut">
               <a:rPr lang="en-US" smtClean="0"/>
-              <a:t>2/14/2018</a:t>
+              <a:t>2/19/18</a:t>
             </a:fld>
             <a:endParaRPr lang="en-US" dirty="0"/>
           </a:p>
@@ -4171,7 +4171,7 @@
           <a:p>
             <a:fld id="{87DE6118-2437-4B30-8E3C-4D2BE6020583}" type="datetimeFigureOut">
               <a:rPr lang="en-US" smtClean="0"/>
-              <a:t>2/14/2018</a:t>
+              <a:t>2/19/18</a:t>
             </a:fld>
             <a:endParaRPr lang="en-US" dirty="0"/>
           </a:p>
@@ -4443,7 +4443,7 @@
             <a:fld id="{87DE6118-2437-4B30-8E3C-4D2BE6020583}" type="datetimeFigureOut">
               <a:rPr lang="en-US" smtClean="0"/>
               <a:pPr/>
-              <a:t>2/14/2018</a:t>
+              <a:t>2/19/18</a:t>
             </a:fld>
             <a:endParaRPr lang="en-US" dirty="0"/>
           </a:p>
@@ -4710,7 +4710,7 @@
           <a:p>
             <a:fld id="{87DE6118-2437-4B30-8E3C-4D2BE6020583}" type="datetimeFigureOut">
               <a:rPr lang="en-US" smtClean="0"/>
-              <a:t>2/14/2018</a:t>
+              <a:t>2/19/18</a:t>
             </a:fld>
             <a:endParaRPr lang="en-US" dirty="0"/>
           </a:p>
@@ -5079,7 +5079,7 @@
           <a:p>
             <a:fld id="{87DE6118-2437-4B30-8E3C-4D2BE6020583}" type="datetimeFigureOut">
               <a:rPr lang="en-US" smtClean="0"/>
-              <a:t>2/14/2018</a:t>
+              <a:t>2/19/18</a:t>
             </a:fld>
             <a:endParaRPr lang="en-US" dirty="0"/>
           </a:p>
@@ -5222,7 +5222,7 @@
           <a:p>
             <a:fld id="{87DE6118-2437-4B30-8E3C-4D2BE6020583}" type="datetimeFigureOut">
               <a:rPr lang="en-US" smtClean="0"/>
-              <a:t>2/14/2018</a:t>
+              <a:t>2/19/18</a:t>
             </a:fld>
             <a:endParaRPr lang="en-US" dirty="0"/>
           </a:p>
@@ -5342,7 +5342,7 @@
           <a:p>
             <a:fld id="{87DE6118-2437-4B30-8E3C-4D2BE6020583}" type="datetimeFigureOut">
               <a:rPr lang="en-US" smtClean="0"/>
-              <a:t>2/14/2018</a:t>
+              <a:t>2/19/18</a:t>
             </a:fld>
             <a:endParaRPr lang="en-US" dirty="0"/>
           </a:p>
@@ -5628,7 +5628,7 @@
             <a:fld id="{87DE6118-2437-4B30-8E3C-4D2BE6020583}" type="datetimeFigureOut">
               <a:rPr lang="en-US" smtClean="0"/>
               <a:pPr/>
-              <a:t>2/14/2018</a:t>
+              <a:t>2/19/18</a:t>
             </a:fld>
             <a:endParaRPr lang="en-US" dirty="0"/>
           </a:p>
@@ -5954,7 +5954,7 @@
             <a:fld id="{87DE6118-2437-4B30-8E3C-4D2BE6020583}" type="datetimeFigureOut">
               <a:rPr lang="en-US" smtClean="0"/>
               <a:pPr/>
-              <a:t>2/14/2018</a:t>
+              <a:t>2/19/18</a:t>
             </a:fld>
             <a:endParaRPr lang="en-US" dirty="0"/>
           </a:p>
@@ -6165,7 +6165,7 @@
             <a:fld id="{87DE6118-2437-4B30-8E3C-4D2BE6020583}" type="datetimeFigureOut">
               <a:rPr lang="en-US" smtClean="0"/>
               <a:pPr/>
-              <a:t>2/14/2018</a:t>
+              <a:t>2/19/18</a:t>
             </a:fld>
             <a:endParaRPr lang="en-US" dirty="0"/>
           </a:p>
@@ -6854,7 +6854,11 @@
             </a:pPr>
             <a:r>
               <a:rPr lang="en-US" sz="3600" dirty="0"/>
-              <a:t>Try to classify things that are clearly not A Dell or Adele</a:t>
+              <a:t>Try to classify things that are clearly not A Dell or </a:t>
+            </a:r>
+            <a:r>
+              <a:rPr lang="en-US" sz="3600" dirty="0" smtClean="0"/>
+              <a:t>Adele</a:t>
             </a:r>
           </a:p>
           <a:p>
@@ -6865,8 +6869,13 @@
             </a:pPr>
             <a:r>
               <a:rPr lang="en-US" sz="3600" dirty="0"/>
-              <a:t>Build a classifier with more than two classes</a:t>
-            </a:r>
+              <a:t>Find a different data set and use </a:t>
+            </a:r>
+            <a:r>
+              <a:rPr lang="en-US" sz="3600" dirty="0" smtClean="0"/>
+              <a:t>that</a:t>
+            </a:r>
+            <a:endParaRPr lang="en-US" sz="3600" dirty="0"/>
           </a:p>
           <a:p>
             <a:pPr>
@@ -6876,7 +6885,22 @@
             </a:pPr>
             <a:r>
               <a:rPr lang="en-US" sz="3600" dirty="0"/>
-              <a:t>Build this into some sort of useable app</a:t>
+              <a:t>Build a classifier with more than two classes</a:t>
+            </a:r>
+          </a:p>
+          <a:p>
+            <a:pPr>
+              <a:spcAft>
+                <a:spcPts val="0"/>
+              </a:spcAft>
+            </a:pPr>
+            <a:r>
+              <a:rPr lang="en-US" sz="3600" dirty="0"/>
+              <a:t>Build this into some sort of useable </a:t>
+            </a:r>
+            <a:r>
+              <a:rPr lang="en-US" sz="3600" dirty="0" smtClean="0"/>
+              <a:t>app</a:t>
             </a:r>
           </a:p>
           <a:p>
@@ -7162,16 +7186,24 @@
           </a:bodyPr>
           <a:lstStyle/>
           <a:p>
+            <a:r>
+              <a:rPr lang="en-US" sz="6000" dirty="0"/>
+              <a:t/>
+            </a:r>
             <a:br>
               <a:rPr lang="en-US" sz="6000" dirty="0"/>
             </a:br>
             <a:r>
-              <a:rPr lang="en-US" sz="6000" dirty="0" err="1"/>
-              <a:t>WhY</a:t>
+              <a:rPr lang="en-US" sz="6000" dirty="0" smtClean="0"/>
+              <a:t>Why </a:t>
             </a:r>
             <a:r>
               <a:rPr lang="en-US" sz="6000" dirty="0"/>
-              <a:t> AM I doing THIS?</a:t>
+              <a:t>AM I doing THIS?</a:t>
+            </a:r>
+            <a:r>
+              <a:rPr lang="en-US" sz="6600" dirty="0"/>
+              <a:t/>
             </a:r>
             <a:br>
               <a:rPr lang="en-US" sz="6600" dirty="0"/>
@@ -7262,12 +7294,20 @@
           </a:bodyPr>
           <a:lstStyle/>
           <a:p>
+            <a:r>
+              <a:rPr lang="en-US" sz="6000" dirty="0"/>
+              <a:t/>
+            </a:r>
             <a:br>
               <a:rPr lang="en-US" sz="6000" dirty="0"/>
             </a:br>
             <a:r>
               <a:rPr lang="en-US" sz="6000" dirty="0"/>
               <a:t>What are we going to do?</a:t>
+            </a:r>
+            <a:r>
+              <a:rPr lang="en-US" sz="6600" dirty="0"/>
+              <a:t/>
             </a:r>
             <a:br>
               <a:rPr lang="en-US" sz="6600" dirty="0"/>
@@ -7358,9 +7398,17 @@
           </a:bodyPr>
           <a:lstStyle/>
           <a:p>
+            <a:r>
+              <a:rPr lang="en-US" sz="6000" dirty="0"/>
+              <a:t/>
+            </a:r>
             <a:br>
               <a:rPr lang="en-US" sz="6000" dirty="0"/>
             </a:br>
+            <a:r>
+              <a:rPr lang="en-US" sz="6600" dirty="0"/>
+              <a:t/>
+            </a:r>
             <a:br>
               <a:rPr lang="en-US" sz="6600" dirty="0"/>
             </a:br>
@@ -7402,7 +7450,7 @@
           <p:cNvPr id="5" name="Picture 4">
             <a:extLst>
               <a:ext uri="{FF2B5EF4-FFF2-40B4-BE49-F238E27FC236}">
-                <a16:creationId xmlns:a16="http://schemas.microsoft.com/office/drawing/2014/main" id="{D91EFC3C-40AC-4AB6-8F1B-AE7EFEE6CEDC}"/>
+                <a16:creationId xmlns:a16="http://schemas.microsoft.com/office/drawing/2014/main" xmlns="" id="{D91EFC3C-40AC-4AB6-8F1B-AE7EFEE6CEDC}"/>
               </a:ext>
             </a:extLst>
           </p:cNvPr>
@@ -7432,7 +7480,7 @@
           <p:cNvPr id="7" name="Picture 6">
             <a:extLst>
               <a:ext uri="{FF2B5EF4-FFF2-40B4-BE49-F238E27FC236}">
-                <a16:creationId xmlns:a16="http://schemas.microsoft.com/office/drawing/2014/main" id="{6F8C2360-5BB5-4A8B-9D2B-6EA2EC9986E5}"/>
+                <a16:creationId xmlns:a16="http://schemas.microsoft.com/office/drawing/2014/main" xmlns="" id="{6F8C2360-5BB5-4A8B-9D2B-6EA2EC9986E5}"/>
               </a:ext>
             </a:extLst>
           </p:cNvPr>
@@ -7462,7 +7510,7 @@
           <p:cNvPr id="8" name="Title 1">
             <a:extLst>
               <a:ext uri="{FF2B5EF4-FFF2-40B4-BE49-F238E27FC236}">
-                <a16:creationId xmlns:a16="http://schemas.microsoft.com/office/drawing/2014/main" id="{759E0FB8-9B97-4FFE-BFAC-5536FB58B21D}"/>
+                <a16:creationId xmlns:a16="http://schemas.microsoft.com/office/drawing/2014/main" xmlns="" id="{759E0FB8-9B97-4FFE-BFAC-5536FB58B21D}"/>
               </a:ext>
             </a:extLst>
           </p:cNvPr>
@@ -7575,7 +7623,7 @@
           <p:cNvPr id="9" name="TextBox 8">
             <a:extLst>
               <a:ext uri="{FF2B5EF4-FFF2-40B4-BE49-F238E27FC236}">
-                <a16:creationId xmlns:a16="http://schemas.microsoft.com/office/drawing/2014/main" id="{50E08519-6438-405D-ADEA-485BC46D8861}"/>
+                <a16:creationId xmlns:a16="http://schemas.microsoft.com/office/drawing/2014/main" xmlns="" id="{50E08519-6438-405D-ADEA-485BC46D8861}"/>
               </a:ext>
             </a:extLst>
           </p:cNvPr>
@@ -7782,7 +7830,7 @@
           <p:cNvPr id="10" name="Content Placeholder 9">
             <a:extLst>
               <a:ext uri="{FF2B5EF4-FFF2-40B4-BE49-F238E27FC236}">
-                <a16:creationId xmlns:a16="http://schemas.microsoft.com/office/drawing/2014/main" id="{C8A979B3-4898-4C03-A152-988B0BBB3813}"/>
+                <a16:creationId xmlns:a16="http://schemas.microsoft.com/office/drawing/2014/main" xmlns="" id="{C8A979B3-4898-4C03-A152-988B0BBB3813}"/>
               </a:ext>
             </a:extLst>
           </p:cNvPr>
@@ -7864,7 +7912,7 @@
           <p:cNvPr id="6" name="Content Placeholder 5">
             <a:extLst>
               <a:ext uri="{FF2B5EF4-FFF2-40B4-BE49-F238E27FC236}">
-                <a16:creationId xmlns:a16="http://schemas.microsoft.com/office/drawing/2014/main" id="{95D77658-E1B0-4479-83C7-EE13E619E419}"/>
+                <a16:creationId xmlns:a16="http://schemas.microsoft.com/office/drawing/2014/main" xmlns="" id="{95D77658-E1B0-4479-83C7-EE13E619E419}"/>
               </a:ext>
             </a:extLst>
           </p:cNvPr>
@@ -7923,7 +7971,7 @@
           <p:cNvPr id="12" name="Picture 11">
             <a:extLst>
               <a:ext uri="{FF2B5EF4-FFF2-40B4-BE49-F238E27FC236}">
-                <a16:creationId xmlns:a16="http://schemas.microsoft.com/office/drawing/2014/main" id="{F1D3A46C-986C-474A-A291-4F39F08320DC}"/>
+                <a16:creationId xmlns:a16="http://schemas.microsoft.com/office/drawing/2014/main" xmlns="" id="{F1D3A46C-986C-474A-A291-4F39F08320DC}"/>
               </a:ext>
             </a:extLst>
           </p:cNvPr>
@@ -8056,38 +8104,9 @@
               <a:t>conda</a:t>
             </a:r>
             <a:r>
-              <a:rPr lang="en-US" sz="3600" dirty="0"/>
+              <a:rPr lang="en-US" sz="3600" dirty="0" smtClean="0"/>
               <a:t>)</a:t>
             </a:r>
-          </a:p>
-          <a:p>
-            <a:pPr marL="742950" indent="-742950">
-              <a:spcAft>
-                <a:spcPts val="0"/>
-              </a:spcAft>
-              <a:buAutoNum type="arabicPeriod"/>
-            </a:pPr>
-            <a:endParaRPr lang="en-US" sz="3600" dirty="0"/>
-          </a:p>
-          <a:p>
-            <a:pPr marL="0" indent="0">
-              <a:spcAft>
-                <a:spcPts val="0"/>
-              </a:spcAft>
-              <a:buNone/>
-            </a:pPr>
-            <a:r>
-              <a:rPr lang="en-US" sz="3600" dirty="0"/>
-              <a:t>2a. Build the model with me</a:t>
-            </a:r>
-          </a:p>
-          <a:p>
-            <a:pPr marL="0" indent="0">
-              <a:spcAft>
-                <a:spcPts val="0"/>
-              </a:spcAft>
-              <a:buNone/>
-            </a:pPr>
             <a:endParaRPr lang="en-US" sz="3600" dirty="0"/>
           </a:p>
           <a:p>
@@ -8104,27 +8123,46 @@
               <a:buNone/>
             </a:pPr>
             <a:r>
+              <a:rPr lang="en-US" sz="3600" dirty="0" smtClean="0"/>
+              <a:t>2. Download </a:t>
+            </a:r>
+            <a:r>
               <a:rPr lang="en-US" sz="3600" dirty="0"/>
-              <a:t>2b. Just download the code here:</a:t>
+              <a:t>the </a:t>
+            </a:r>
+            <a:r>
+              <a:rPr lang="en-US" sz="3600" dirty="0" smtClean="0"/>
+              <a:t>code/data </a:t>
+            </a:r>
+            <a:r>
+              <a:rPr lang="en-US" sz="3600" dirty="0"/>
+              <a:t>here:</a:t>
             </a:r>
           </a:p>
           <a:p>
             <a:pPr marL="0" lvl="0" indent="0">
-              <a:lnSpc>
-                <a:spcPct val="100000"/>
-              </a:lnSpc>
-              <a:spcBef>
-                <a:spcPts val="0"/>
-              </a:spcBef>
               <a:spcAft>
                 <a:spcPts val="0"/>
               </a:spcAft>
               <a:buNone/>
             </a:pPr>
             <a:r>
-              <a:rPr lang="en-US" sz="3600" dirty="0"/>
-              <a:t>http://bit.ly/2fMyk0o</a:t>
-            </a:r>
+              <a:rPr lang="en-US" sz="3600" dirty="0" smtClean="0"/>
+              <a:t>bit.do/adell_adele</a:t>
+            </a:r>
+          </a:p>
+          <a:p>
+            <a:pPr marL="0" lvl="0" indent="0">
+              <a:spcAft>
+                <a:spcPts val="0"/>
+              </a:spcAft>
+              <a:buNone/>
+            </a:pPr>
+            <a:r>
+              <a:rPr lang="en-US" sz="3600" dirty="0" smtClean="0"/>
+              <a:t>3. (optional) Live code this with me</a:t>
+            </a:r>
+            <a:endParaRPr lang="en-US" sz="3600" dirty="0"/>
           </a:p>
         </p:txBody>
       </p:sp>
